--- a/Pitch-Slide.pptx
+++ b/Pitch-Slide.pptx
@@ -2,13 +2,13 @@
 <file path=ppt/presentation.xml><?xml version="1.0" encoding="utf-8"?>
 <p:presentation xmlns:a="http://schemas.openxmlformats.org/drawingml/2006/main" xmlns:r="http://schemas.openxmlformats.org/officeDocument/2006/relationships" xmlns:p="http://schemas.openxmlformats.org/presentationml/2006/main" saveSubsetFonts="1">
   <p:sldMasterIdLst>
-    <p:sldMasterId id="2147483815" r:id="rId1"/>
+    <p:sldMasterId id="2147483815" r:id="rId4"/>
   </p:sldMasterIdLst>
   <p:notesMasterIdLst>
-    <p:notesMasterId r:id="rId3"/>
+    <p:notesMasterId r:id="rId6"/>
   </p:notesMasterIdLst>
   <p:sldIdLst>
-    <p:sldId id="257" r:id="rId2"/>
+    <p:sldId id="257" r:id="rId5"/>
   </p:sldIdLst>
   <p:sldSz cx="12192000" cy="6858000"/>
   <p:notesSz cx="6858000" cy="9144000"/>
@@ -107,251 +107,12 @@
       </a:defRPr>
     </a:lvl9pPr>
   </p:defaultTextStyle>
+  <p:extLst>
+    <p:ext uri="{EFAFB233-063F-42B5-8137-9DF3F51BA10A}">
+      <p15:sldGuideLst xmlns:p15="http://schemas.microsoft.com/office/powerpoint/2012/main"/>
+    </p:ext>
+  </p:extLst>
 </p:presentation>
-</file>
-
-<file path=ppt/revisionInfo.xml><?xml version="1.0" encoding="utf-8"?>
-<p1510:revInfo xmlns:a="http://schemas.openxmlformats.org/drawingml/2006/main" xmlns:r="http://schemas.openxmlformats.org/officeDocument/2006/relationships" xmlns:p1510="http://schemas.microsoft.com/office/powerpoint/2015/10/main">
-  <p1510:revLst>
-    <p1510:client id="{0289797C-32E2-424D-BEB3-927D78213418}" v="18" dt="2019-11-25T15:31:05.514"/>
-  </p1510:revLst>
-</p1510:revInfo>
-</file>
-
-<file path=ppt/changesInfos/changesInfo1.xml><?xml version="1.0" encoding="utf-8"?>
-<pc:chgInfo xmlns:a="http://schemas.openxmlformats.org/drawingml/2006/main" xmlns:r="http://schemas.openxmlformats.org/officeDocument/2006/relationships" xmlns:ac="http://schemas.microsoft.com/office/drawing/2013/main/command" xmlns:pc="http://schemas.microsoft.com/office/powerpoint/2013/main/command">
-  <pc:docChgLst>
-    <pc:chgData name="Timo Schallenberg" userId="a074fd60f5994cde" providerId="LiveId" clId="{0289797C-32E2-424D-BEB3-927D78213418}"/>
-    <pc:docChg chg="undo redo custSel mod addSld delSld modSld">
-      <pc:chgData name="Timo Schallenberg" userId="a074fd60f5994cde" providerId="LiveId" clId="{0289797C-32E2-424D-BEB3-927D78213418}" dt="2019-11-25T15:29:29.488" v="928" actId="1076"/>
-      <pc:docMkLst>
-        <pc:docMk/>
-      </pc:docMkLst>
-      <pc:sldChg chg="del">
-        <pc:chgData name="Timo Schallenberg" userId="a074fd60f5994cde" providerId="LiveId" clId="{0289797C-32E2-424D-BEB3-927D78213418}" dt="2019-11-25T14:37:33.206" v="1" actId="2696"/>
-        <pc:sldMkLst>
-          <pc:docMk/>
-          <pc:sldMk cId="3320422581" sldId="256"/>
-        </pc:sldMkLst>
-      </pc:sldChg>
-      <pc:sldChg chg="addSp delSp modSp add mod setBg setClrOvrMap">
-        <pc:chgData name="Timo Schallenberg" userId="a074fd60f5994cde" providerId="LiveId" clId="{0289797C-32E2-424D-BEB3-927D78213418}" dt="2019-11-25T15:29:29.488" v="928" actId="1076"/>
-        <pc:sldMkLst>
-          <pc:docMk/>
-          <pc:sldMk cId="514478824" sldId="257"/>
-        </pc:sldMkLst>
-        <pc:spChg chg="mod ord">
-          <ac:chgData name="Timo Schallenberg" userId="a074fd60f5994cde" providerId="LiveId" clId="{0289797C-32E2-424D-BEB3-927D78213418}" dt="2019-11-25T15:29:24.881" v="927" actId="27636"/>
-          <ac:spMkLst>
-            <pc:docMk/>
-            <pc:sldMk cId="514478824" sldId="257"/>
-            <ac:spMk id="2" creationId="{74A1B98C-4191-4962-BB85-05063D08D358}"/>
-          </ac:spMkLst>
-        </pc:spChg>
-        <pc:spChg chg="del mod">
-          <ac:chgData name="Timo Schallenberg" userId="a074fd60f5994cde" providerId="LiveId" clId="{0289797C-32E2-424D-BEB3-927D78213418}" dt="2019-11-25T14:54:08.597" v="65"/>
-          <ac:spMkLst>
-            <pc:docMk/>
-            <pc:sldMk cId="514478824" sldId="257"/>
-            <ac:spMk id="3" creationId="{1364CDF2-4A35-4C32-88C2-FD1A5FFFB6BE}"/>
-          </ac:spMkLst>
-        </pc:spChg>
-        <pc:spChg chg="add mod">
-          <ac:chgData name="Timo Schallenberg" userId="a074fd60f5994cde" providerId="LiveId" clId="{0289797C-32E2-424D-BEB3-927D78213418}" dt="2019-11-25T15:15:14.046" v="924" actId="20577"/>
-          <ac:spMkLst>
-            <pc:docMk/>
-            <pc:sldMk cId="514478824" sldId="257"/>
-            <ac:spMk id="8" creationId="{83BA5FC4-D2B8-45EE-B5FF-899D6BCE279E}"/>
-          </ac:spMkLst>
-        </pc:spChg>
-        <pc:spChg chg="add del mod">
-          <ac:chgData name="Timo Schallenberg" userId="a074fd60f5994cde" providerId="LiveId" clId="{0289797C-32E2-424D-BEB3-927D78213418}" dt="2019-11-25T14:56:35.991" v="110" actId="26606"/>
-          <ac:spMkLst>
-            <pc:docMk/>
-            <pc:sldMk cId="514478824" sldId="257"/>
-            <ac:spMk id="11" creationId="{AD000CD6-AD2E-4E2E-8C08-CAA306BA4105}"/>
-          </ac:spMkLst>
-        </pc:spChg>
-        <pc:spChg chg="add del">
-          <ac:chgData name="Timo Schallenberg" userId="a074fd60f5994cde" providerId="LiveId" clId="{0289797C-32E2-424D-BEB3-927D78213418}" dt="2019-11-25T14:56:20.793" v="94" actId="26606"/>
-          <ac:spMkLst>
-            <pc:docMk/>
-            <pc:sldMk cId="514478824" sldId="257"/>
-            <ac:spMk id="21" creationId="{F64F6814-96D5-4463-898E-405CC0C40147}"/>
-          </ac:spMkLst>
-        </pc:spChg>
-        <pc:spChg chg="add del">
-          <ac:chgData name="Timo Schallenberg" userId="a074fd60f5994cde" providerId="LiveId" clId="{0289797C-32E2-424D-BEB3-927D78213418}" dt="2019-11-25T14:56:23.593" v="96" actId="26606"/>
-          <ac:spMkLst>
-            <pc:docMk/>
-            <pc:sldMk cId="514478824" sldId="257"/>
-            <ac:spMk id="23" creationId="{C1A2385B-1D2A-4E17-84FA-6CB7F0AAE473}"/>
-          </ac:spMkLst>
-        </pc:spChg>
-        <pc:spChg chg="add del">
-          <ac:chgData name="Timo Schallenberg" userId="a074fd60f5994cde" providerId="LiveId" clId="{0289797C-32E2-424D-BEB3-927D78213418}" dt="2019-11-25T14:56:23.593" v="96" actId="26606"/>
-          <ac:spMkLst>
-            <pc:docMk/>
-            <pc:sldMk cId="514478824" sldId="257"/>
-            <ac:spMk id="24" creationId="{6D24BC9E-AC6A-42EE-AFD8-B290720B841F}"/>
-          </ac:spMkLst>
-        </pc:spChg>
-        <pc:spChg chg="add del">
-          <ac:chgData name="Timo Schallenberg" userId="a074fd60f5994cde" providerId="LiveId" clId="{0289797C-32E2-424D-BEB3-927D78213418}" dt="2019-11-25T14:56:23.593" v="96" actId="26606"/>
-          <ac:spMkLst>
-            <pc:docMk/>
-            <pc:sldMk cId="514478824" sldId="257"/>
-            <ac:spMk id="25" creationId="{5E791F2F-79DB-4CC0-9FA1-001E3E91E8B7}"/>
-          </ac:spMkLst>
-        </pc:spChg>
-        <pc:spChg chg="add del">
-          <ac:chgData name="Timo Schallenberg" userId="a074fd60f5994cde" providerId="LiveId" clId="{0289797C-32E2-424D-BEB3-927D78213418}" dt="2019-11-25T14:56:23.593" v="96" actId="26606"/>
-          <ac:spMkLst>
-            <pc:docMk/>
-            <pc:sldMk cId="514478824" sldId="257"/>
-            <ac:spMk id="26" creationId="{0990C621-3B8B-4820-8328-D47EF7CE823C}"/>
-          </ac:spMkLst>
-        </pc:spChg>
-        <pc:spChg chg="add del">
-          <ac:chgData name="Timo Schallenberg" userId="a074fd60f5994cde" providerId="LiveId" clId="{0289797C-32E2-424D-BEB3-927D78213418}" dt="2019-11-25T14:56:25.414" v="98" actId="26606"/>
-          <ac:spMkLst>
-            <pc:docMk/>
-            <pc:sldMk cId="514478824" sldId="257"/>
-            <ac:spMk id="28" creationId="{DEE5C6BA-FE2A-4C38-8D88-E70C06E54F82}"/>
-          </ac:spMkLst>
-        </pc:spChg>
-        <pc:spChg chg="add del">
-          <ac:chgData name="Timo Schallenberg" userId="a074fd60f5994cde" providerId="LiveId" clId="{0289797C-32E2-424D-BEB3-927D78213418}" dt="2019-11-25T14:56:25.414" v="98" actId="26606"/>
-          <ac:spMkLst>
-            <pc:docMk/>
-            <pc:sldMk cId="514478824" sldId="257"/>
-            <ac:spMk id="30" creationId="{DE9FA85F-F0FB-4952-A05F-04CC67B18EE5}"/>
-          </ac:spMkLst>
-        </pc:spChg>
-        <pc:spChg chg="add del">
-          <ac:chgData name="Timo Schallenberg" userId="a074fd60f5994cde" providerId="LiveId" clId="{0289797C-32E2-424D-BEB3-927D78213418}" dt="2019-11-25T14:56:25.414" v="98" actId="26606"/>
-          <ac:spMkLst>
-            <pc:docMk/>
-            <pc:sldMk cId="514478824" sldId="257"/>
-            <ac:spMk id="31" creationId="{FEBD362A-CC27-47D9-8FC3-A5E91BA0760C}"/>
-          </ac:spMkLst>
-        </pc:spChg>
-        <pc:spChg chg="add del">
-          <ac:chgData name="Timo Schallenberg" userId="a074fd60f5994cde" providerId="LiveId" clId="{0289797C-32E2-424D-BEB3-927D78213418}" dt="2019-11-25T14:56:32.361" v="102" actId="26606"/>
-          <ac:spMkLst>
-            <pc:docMk/>
-            <pc:sldMk cId="514478824" sldId="257"/>
-            <ac:spMk id="35" creationId="{EB181E26-89C4-4A14-92DE-0F4C4B0E9484}"/>
-          </ac:spMkLst>
-        </pc:spChg>
-        <pc:spChg chg="add del">
-          <ac:chgData name="Timo Schallenberg" userId="a074fd60f5994cde" providerId="LiveId" clId="{0289797C-32E2-424D-BEB3-927D78213418}" dt="2019-11-25T14:56:32.361" v="102" actId="26606"/>
-          <ac:spMkLst>
-            <pc:docMk/>
-            <pc:sldMk cId="514478824" sldId="257"/>
-            <ac:spMk id="36" creationId="{13958066-7CBD-4B89-8F46-614C4F28BCF9}"/>
-          </ac:spMkLst>
-        </pc:spChg>
-        <pc:spChg chg="add del">
-          <ac:chgData name="Timo Schallenberg" userId="a074fd60f5994cde" providerId="LiveId" clId="{0289797C-32E2-424D-BEB3-927D78213418}" dt="2019-11-25T14:56:33.272" v="104" actId="26606"/>
-          <ac:spMkLst>
-            <pc:docMk/>
-            <pc:sldMk cId="514478824" sldId="257"/>
-            <ac:spMk id="38" creationId="{6D24BC9E-AC6A-42EE-AFD8-B290720B841F}"/>
-          </ac:spMkLst>
-        </pc:spChg>
-        <pc:spChg chg="add del">
-          <ac:chgData name="Timo Schallenberg" userId="a074fd60f5994cde" providerId="LiveId" clId="{0289797C-32E2-424D-BEB3-927D78213418}" dt="2019-11-25T14:56:33.272" v="104" actId="26606"/>
-          <ac:spMkLst>
-            <pc:docMk/>
-            <pc:sldMk cId="514478824" sldId="257"/>
-            <ac:spMk id="39" creationId="{0990C621-3B8B-4820-8328-D47EF7CE823C}"/>
-          </ac:spMkLst>
-        </pc:spChg>
-        <pc:spChg chg="add del">
-          <ac:chgData name="Timo Schallenberg" userId="a074fd60f5994cde" providerId="LiveId" clId="{0289797C-32E2-424D-BEB3-927D78213418}" dt="2019-11-25T14:56:33.272" v="104" actId="26606"/>
-          <ac:spMkLst>
-            <pc:docMk/>
-            <pc:sldMk cId="514478824" sldId="257"/>
-            <ac:spMk id="40" creationId="{C1A2385B-1D2A-4E17-84FA-6CB7F0AAE473}"/>
-          </ac:spMkLst>
-        </pc:spChg>
-        <pc:spChg chg="add del">
-          <ac:chgData name="Timo Schallenberg" userId="a074fd60f5994cde" providerId="LiveId" clId="{0289797C-32E2-424D-BEB3-927D78213418}" dt="2019-11-25T14:56:33.272" v="104" actId="26606"/>
-          <ac:spMkLst>
-            <pc:docMk/>
-            <pc:sldMk cId="514478824" sldId="257"/>
-            <ac:spMk id="41" creationId="{5E791F2F-79DB-4CC0-9FA1-001E3E91E8B7}"/>
-          </ac:spMkLst>
-        </pc:spChg>
-        <pc:spChg chg="add del">
-          <ac:chgData name="Timo Schallenberg" userId="a074fd60f5994cde" providerId="LiveId" clId="{0289797C-32E2-424D-BEB3-927D78213418}" dt="2019-11-25T14:56:34.183" v="106" actId="26606"/>
-          <ac:spMkLst>
-            <pc:docMk/>
-            <pc:sldMk cId="514478824" sldId="257"/>
-            <ac:spMk id="43" creationId="{F64F6814-96D5-4463-898E-405CC0C40147}"/>
-          </ac:spMkLst>
-        </pc:spChg>
-        <pc:picChg chg="add mod ord">
-          <ac:chgData name="Timo Schallenberg" userId="a074fd60f5994cde" providerId="LiveId" clId="{0289797C-32E2-424D-BEB3-927D78213418}" dt="2019-11-25T15:10:14.488" v="884" actId="1076"/>
-          <ac:picMkLst>
-            <pc:docMk/>
-            <pc:sldMk cId="514478824" sldId="257"/>
-            <ac:picMk id="5" creationId="{BD0A07F5-81BB-416B-9D53-E6CCFAAF4618}"/>
-          </ac:picMkLst>
-        </pc:picChg>
-        <pc:picChg chg="add mod ord">
-          <ac:chgData name="Timo Schallenberg" userId="a074fd60f5994cde" providerId="LiveId" clId="{0289797C-32E2-424D-BEB3-927D78213418}" dt="2019-11-25T15:29:29.488" v="928" actId="1076"/>
-          <ac:picMkLst>
-            <pc:docMk/>
-            <pc:sldMk cId="514478824" sldId="257"/>
-            <ac:picMk id="7" creationId="{18FC9FB6-AA9F-464A-A33A-94C6D314D977}"/>
-          </ac:picMkLst>
-        </pc:picChg>
-        <pc:picChg chg="add del">
-          <ac:chgData name="Timo Schallenberg" userId="a074fd60f5994cde" providerId="LiveId" clId="{0289797C-32E2-424D-BEB3-927D78213418}" dt="2019-11-25T14:56:35.991" v="110" actId="26606"/>
-          <ac:picMkLst>
-            <pc:docMk/>
-            <pc:sldMk cId="514478824" sldId="257"/>
-            <ac:picMk id="14" creationId="{22901FED-4FC9-4ED5-8123-C98BCD1616BA}"/>
-          </ac:picMkLst>
-        </pc:picChg>
-        <pc:picChg chg="add del">
-          <ac:chgData name="Timo Schallenberg" userId="a074fd60f5994cde" providerId="LiveId" clId="{0289797C-32E2-424D-BEB3-927D78213418}" dt="2019-11-25T14:56:17.486" v="92" actId="26606"/>
-          <ac:picMkLst>
-            <pc:docMk/>
-            <pc:sldMk cId="514478824" sldId="257"/>
-            <ac:picMk id="19" creationId="{22901FED-4FC9-4ED5-8123-C98BCD1616BA}"/>
-          </ac:picMkLst>
-        </pc:picChg>
-        <pc:picChg chg="add del">
-          <ac:chgData name="Timo Schallenberg" userId="a074fd60f5994cde" providerId="LiveId" clId="{0289797C-32E2-424D-BEB3-927D78213418}" dt="2019-11-25T14:56:25.414" v="98" actId="26606"/>
-          <ac:picMkLst>
-            <pc:docMk/>
-            <pc:sldMk cId="514478824" sldId="257"/>
-            <ac:picMk id="29" creationId="{53E66F28-0926-4CFB-BDAB-646CAB184CB0}"/>
-          </ac:picMkLst>
-        </pc:picChg>
-        <pc:picChg chg="add del">
-          <ac:chgData name="Timo Schallenberg" userId="a074fd60f5994cde" providerId="LiveId" clId="{0289797C-32E2-424D-BEB3-927D78213418}" dt="2019-11-25T14:56:28.775" v="100" actId="26606"/>
-          <ac:picMkLst>
-            <pc:docMk/>
-            <pc:sldMk cId="514478824" sldId="257"/>
-            <ac:picMk id="33" creationId="{3B37BAF8-EA97-496B-9DF6-3D53B6A19978}"/>
-          </ac:picMkLst>
-        </pc:picChg>
-        <pc:picChg chg="add del">
-          <ac:chgData name="Timo Schallenberg" userId="a074fd60f5994cde" providerId="LiveId" clId="{0289797C-32E2-424D-BEB3-927D78213418}" dt="2019-11-25T14:56:35.534" v="108" actId="26606"/>
-          <ac:picMkLst>
-            <pc:docMk/>
-            <pc:sldMk cId="514478824" sldId="257"/>
-            <ac:picMk id="45" creationId="{22901FED-4FC9-4ED5-8123-C98BCD1616BA}"/>
-          </ac:picMkLst>
-        </pc:picChg>
-      </pc:sldChg>
-    </pc:docChg>
-  </pc:docChgLst>
-</pc:chgInfo>
 </file>
 
 <file path=ppt/notesMasters/notesMaster1.xml><?xml version="1.0" encoding="utf-8"?>
@@ -1146,6 +907,9 @@
             <a:off x="9592733" y="4289334"/>
             <a:ext cx="1193868" cy="640080"/>
           </a:xfrm>
+          <a:prstGeom prst="rect">
+            <a:avLst/>
+          </a:prstGeom>
         </p:spPr>
         <p:txBody>
           <a:bodyPr/>
@@ -1320,7 +1084,15 @@
             <p:ph type="sldNum" sz="quarter" idx="12"/>
           </p:nvPr>
         </p:nvSpPr>
-        <p:spPr/>
+        <p:spPr>
+          <a:xfrm>
+            <a:off x="11311128" y="6272784"/>
+            <a:ext cx="640080" cy="365125"/>
+          </a:xfrm>
+          <a:prstGeom prst="rect">
+            <a:avLst/>
+          </a:prstGeom>
+        </p:spPr>
         <p:txBody>
           <a:bodyPr/>
           <a:lstStyle/>
@@ -1500,7 +1272,15 @@
             <p:ph type="sldNum" sz="quarter" idx="12"/>
           </p:nvPr>
         </p:nvSpPr>
-        <p:spPr/>
+        <p:spPr>
+          <a:xfrm>
+            <a:off x="11311128" y="6272784"/>
+            <a:ext cx="640080" cy="365125"/>
+          </a:xfrm>
+          <a:prstGeom prst="rect">
+            <a:avLst/>
+          </a:prstGeom>
+        </p:spPr>
         <p:txBody>
           <a:bodyPr/>
           <a:lstStyle/>
@@ -1670,7 +1450,15 @@
             <p:ph type="sldNum" sz="quarter" idx="12"/>
           </p:nvPr>
         </p:nvSpPr>
-        <p:spPr/>
+        <p:spPr>
+          <a:xfrm>
+            <a:off x="11311128" y="6272784"/>
+            <a:ext cx="640080" cy="365125"/>
+          </a:xfrm>
+          <a:prstGeom prst="rect">
+            <a:avLst/>
+          </a:prstGeom>
+        </p:spPr>
         <p:txBody>
           <a:bodyPr/>
           <a:lstStyle/>
@@ -2077,6 +1865,9 @@
             <a:off x="843702" y="2506133"/>
             <a:ext cx="1188298" cy="720332"/>
           </a:xfrm>
+          <a:prstGeom prst="rect">
+            <a:avLst/>
+          </a:prstGeom>
         </p:spPr>
         <p:txBody>
           <a:bodyPr/>
@@ -2369,7 +2160,15 @@
             <p:ph type="sldNum" sz="quarter" idx="12"/>
           </p:nvPr>
         </p:nvSpPr>
-        <p:spPr/>
+        <p:spPr>
+          <a:xfrm>
+            <a:off x="11311128" y="6272784"/>
+            <a:ext cx="640080" cy="365125"/>
+          </a:xfrm>
+          <a:prstGeom prst="rect">
+            <a:avLst/>
+          </a:prstGeom>
+        </p:spPr>
         <p:txBody>
           <a:bodyPr/>
           <a:lstStyle/>
@@ -2803,7 +2602,15 @@
             <p:ph type="sldNum" sz="quarter" idx="12"/>
           </p:nvPr>
         </p:nvSpPr>
-        <p:spPr/>
+        <p:spPr>
+          <a:xfrm>
+            <a:off x="11311128" y="6272784"/>
+            <a:ext cx="640080" cy="365125"/>
+          </a:xfrm>
+          <a:prstGeom prst="rect">
+            <a:avLst/>
+          </a:prstGeom>
+        </p:spPr>
         <p:txBody>
           <a:bodyPr/>
           <a:lstStyle/>
@@ -2921,7 +2728,15 @@
             <p:ph type="sldNum" sz="quarter" idx="12"/>
           </p:nvPr>
         </p:nvSpPr>
-        <p:spPr/>
+        <p:spPr>
+          <a:xfrm>
+            <a:off x="11311128" y="6272784"/>
+            <a:ext cx="640080" cy="365125"/>
+          </a:xfrm>
+          <a:prstGeom prst="rect">
+            <a:avLst/>
+          </a:prstGeom>
+        </p:spPr>
         <p:txBody>
           <a:bodyPr/>
           <a:lstStyle/>
@@ -3016,7 +2831,15 @@
             <p:ph type="sldNum" sz="quarter" idx="12"/>
           </p:nvPr>
         </p:nvSpPr>
-        <p:spPr/>
+        <p:spPr>
+          <a:xfrm>
+            <a:off x="11311128" y="6272784"/>
+            <a:ext cx="640080" cy="365125"/>
+          </a:xfrm>
+          <a:prstGeom prst="rect">
+            <a:avLst/>
+          </a:prstGeom>
+        </p:spPr>
         <p:txBody>
           <a:bodyPr/>
           <a:lstStyle/>
@@ -3455,7 +3278,15 @@
             <p:ph type="sldNum" sz="quarter" idx="12"/>
           </p:nvPr>
         </p:nvSpPr>
-        <p:spPr/>
+        <p:spPr>
+          <a:xfrm>
+            <a:off x="11311128" y="6272784"/>
+            <a:ext cx="640080" cy="365125"/>
+          </a:xfrm>
+          <a:prstGeom prst="rect">
+            <a:avLst/>
+          </a:prstGeom>
+        </p:spPr>
         <p:txBody>
           <a:bodyPr/>
           <a:lstStyle/>
@@ -3861,7 +3692,15 @@
             <p:ph type="sldNum" sz="quarter" idx="12"/>
           </p:nvPr>
         </p:nvSpPr>
-        <p:spPr/>
+        <p:spPr>
+          <a:xfrm>
+            <a:off x="11311128" y="6272784"/>
+            <a:ext cx="640080" cy="365125"/>
+          </a:xfrm>
+          <a:prstGeom prst="rect">
+            <a:avLst/>
+          </a:prstGeom>
+        </p:spPr>
         <p:txBody>
           <a:bodyPr/>
           <a:lstStyle/>
@@ -4078,135 +3917,6 @@
           </a:p>
         </p:txBody>
       </p:sp>
-      <p:grpSp>
-        <p:nvGrpSpPr>
-          <p:cNvPr id="7" name="Group 6"/>
-          <p:cNvGrpSpPr>
-            <a:grpSpLocks noChangeAspect="1"/>
-          </p:cNvGrpSpPr>
-          <p:nvPr/>
-        </p:nvGrpSpPr>
-        <p:grpSpPr>
-          <a:xfrm>
-            <a:off x="11401725" y="6229681"/>
-            <a:ext cx="457200" cy="457200"/>
-            <a:chOff x="11361456" y="6195813"/>
-            <a:chExt cx="548640" cy="548640"/>
-          </a:xfrm>
-        </p:grpSpPr>
-        <p:sp>
-          <p:nvSpPr>
-            <p:cNvPr id="8" name="Oval 7"/>
-            <p:cNvSpPr/>
-            <p:nvPr/>
-          </p:nvSpPr>
-          <p:spPr>
-            <a:xfrm>
-              <a:off x="11361456" y="6195813"/>
-              <a:ext cx="548640" cy="548640"/>
-            </a:xfrm>
-            <a:prstGeom prst="ellipse">
-              <a:avLst/>
-            </a:prstGeom>
-            <a:blipFill dpi="0" rotWithShape="1">
-              <a:blip r:embed="rId13">
-                <a:duotone>
-                  <a:schemeClr val="accent1">
-                    <a:shade val="45000"/>
-                    <a:satMod val="135000"/>
-                  </a:schemeClr>
-                  <a:prstClr val="white"/>
-                </a:duotone>
-                <a:extLst>
-                  <a:ext uri="{BEBA8EAE-BF5A-486C-A8C5-ECC9F3942E4B}">
-                    <a14:imgProps xmlns:a14="http://schemas.microsoft.com/office/drawing/2010/main">
-                      <a14:imgLayer r:embed="rId14">
-                        <a14:imgEffect>
-                          <a14:saturation sat="95000"/>
-                        </a14:imgEffect>
-                        <a14:imgEffect>
-                          <a14:brightnessContrast bright="-40000" contrast="20000"/>
-                        </a14:imgEffect>
-                      </a14:imgLayer>
-                    </a14:imgProps>
-                  </a:ext>
-                </a:extLst>
-              </a:blip>
-              <a:srcRect/>
-              <a:tile tx="50800" ty="0" sx="85000" sy="85000" flip="none" algn="tl"/>
-            </a:blipFill>
-            <a:ln w="25400" cap="flat" cmpd="sng" algn="ctr">
-              <a:noFill/>
-              <a:prstDash val="solid"/>
-            </a:ln>
-            <a:effectLst/>
-          </p:spPr>
-        </p:sp>
-        <p:sp>
-          <p:nvSpPr>
-            <p:cNvPr id="9" name="Oval 8"/>
-            <p:cNvSpPr/>
-            <p:nvPr/>
-          </p:nvSpPr>
-          <p:spPr>
-            <a:xfrm>
-              <a:off x="11396488" y="6230844"/>
-              <a:ext cx="478576" cy="478578"/>
-            </a:xfrm>
-            <a:prstGeom prst="ellipse">
-              <a:avLst/>
-            </a:prstGeom>
-            <a:noFill/>
-            <a:ln w="12700" cap="flat" cmpd="sng" algn="ctr">
-              <a:solidFill>
-                <a:srgbClr val="FFFFFF"/>
-              </a:solidFill>
-              <a:prstDash val="solid"/>
-            </a:ln>
-            <a:effectLst/>
-          </p:spPr>
-        </p:sp>
-      </p:grpSp>
-      <p:sp>
-        <p:nvSpPr>
-          <p:cNvPr id="6" name="Slide Number Placeholder 5"/>
-          <p:cNvSpPr>
-            <a:spLocks noGrp="1"/>
-          </p:cNvSpPr>
-          <p:nvPr>
-            <p:ph type="sldNum" sz="quarter" idx="4"/>
-          </p:nvPr>
-        </p:nvSpPr>
-        <p:spPr>
-          <a:xfrm>
-            <a:off x="11311128" y="6272784"/>
-            <a:ext cx="640080" cy="365125"/>
-          </a:xfrm>
-          <a:prstGeom prst="rect">
-            <a:avLst/>
-          </a:prstGeom>
-        </p:spPr>
-        <p:txBody>
-          <a:bodyPr vert="horz" lIns="91440" tIns="45720" rIns="91440" bIns="45720" rtlCol="0" anchor="ctr"/>
-          <a:lstStyle>
-            <a:lvl1pPr algn="ctr">
-              <a:defRPr sz="1400" b="1">
-                <a:solidFill>
-                  <a:srgbClr val="FFFFFF"/>
-                </a:solidFill>
-                <a:latin typeface="+mj-lt"/>
-              </a:defRPr>
-            </a:lvl1pPr>
-          </a:lstStyle>
-          <a:p>
-            <a:fld id="{2E57C408-BBD9-43C5-B9EB-E8E61EF514B1}" type="slidenum">
-              <a:rPr lang="de-DE" smtClean="0"/>
-              <a:t>‹Nr.›</a:t>
-            </a:fld>
-            <a:endParaRPr lang="de-DE"/>
-          </a:p>
-        </p:txBody>
-      </p:sp>
     </p:spTree>
     <p:extLst>
       <p:ext uri="{BB962C8B-B14F-4D97-AF65-F5344CB8AC3E}">
@@ -4240,7 +3950,7 @@
         <a:buNone/>
         <a:defRPr sz="5400" kern="1200" cap="all" baseline="0">
           <a:blipFill>
-            <a:blip r:embed="rId15">
+            <a:blip r:embed="rId13">
               <a:extLst>
                 <a:ext uri="{28A0092B-C50C-407E-A947-70E740481C1C}">
                   <a14:useLocalDpi xmlns:a14="http://schemas.microsoft.com/office/drawing/2010/main" val="0"/>
@@ -4636,7 +4346,7 @@
         </p:nvSpPr>
         <p:spPr>
           <a:xfrm>
-            <a:off x="838200" y="365125"/>
+            <a:off x="838200" y="180225"/>
             <a:ext cx="10515600" cy="714375"/>
           </a:xfrm>
         </p:spPr>
@@ -4646,11 +4356,23 @@
           </a:bodyPr>
           <a:lstStyle/>
           <a:p>
-            <a:r>
-              <a:rPr lang="de-DE"/>
-              <a:t>Sidescroller – Treasure Bay</a:t>
-            </a:r>
-            <a:endParaRPr lang="de-DE" dirty="0"/>
+            <a:pPr algn="ctr"/>
+            <a:r>
+              <a:rPr lang="de-DE" u="sng" dirty="0" err="1"/>
+              <a:t>Sidescroller</a:t>
+            </a:r>
+            <a:r>
+              <a:rPr lang="de-DE" u="sng" dirty="0"/>
+              <a:t> – </a:t>
+            </a:r>
+            <a:r>
+              <a:rPr lang="de-DE" u="sng" dirty="0" err="1"/>
+              <a:t>Treasure</a:t>
+            </a:r>
+            <a:r>
+              <a:rPr lang="de-DE" u="sng" dirty="0"/>
+              <a:t> Bay</a:t>
+            </a:r>
           </a:p>
         </p:txBody>
       </p:sp>
@@ -4684,9 +4406,22 @@
         </p:blipFill>
         <p:spPr>
           <a:xfrm>
-            <a:off x="6603398" y="987736"/>
+            <a:off x="480509" y="1032560"/>
             <a:ext cx="4879707" cy="2741548"/>
           </a:xfrm>
+          <a:prstGeom prst="rect">
+            <a:avLst/>
+          </a:prstGeom>
+          <a:ln>
+            <a:noFill/>
+          </a:ln>
+          <a:effectLst>
+            <a:outerShdw blurRad="190500" algn="tl" rotWithShape="0">
+              <a:srgbClr val="000000">
+                <a:alpha val="70000"/>
+              </a:srgbClr>
+            </a:outerShdw>
+          </a:effectLst>
         </p:spPr>
       </p:pic>
       <p:pic>
@@ -4717,14 +4452,160 @@
         </p:blipFill>
         <p:spPr>
           <a:xfrm>
-            <a:off x="6603398" y="3850120"/>
+            <a:off x="6110338" y="3876952"/>
             <a:ext cx="4879707" cy="2744643"/>
           </a:xfrm>
           <a:prstGeom prst="rect">
             <a:avLst/>
           </a:prstGeom>
+          <a:ln>
+            <a:noFill/>
+          </a:ln>
+          <a:effectLst>
+            <a:outerShdw blurRad="190500" algn="tl" rotWithShape="0">
+              <a:srgbClr val="000000">
+                <a:alpha val="70000"/>
+              </a:srgbClr>
+            </a:outerShdw>
+          </a:effectLst>
         </p:spPr>
       </p:pic>
+      <p:sp>
+        <p:nvSpPr>
+          <p:cNvPr id="10" name="Fußzeilenplatzhalter 9">
+            <a:extLst>
+              <a:ext uri="{FF2B5EF4-FFF2-40B4-BE49-F238E27FC236}">
+                <a16:creationId xmlns:a16="http://schemas.microsoft.com/office/drawing/2014/main" id="{332FE075-6597-47A4-BFC9-09DFEEA872C0}"/>
+              </a:ext>
+            </a:extLst>
+          </p:cNvPr>
+          <p:cNvSpPr>
+            <a:spLocks noGrp="1"/>
+          </p:cNvSpPr>
+          <p:nvPr>
+            <p:ph type="ftr" sz="quarter" idx="11"/>
+          </p:nvPr>
+        </p:nvSpPr>
+        <p:spPr>
+          <a:xfrm>
+            <a:off x="272347" y="6255751"/>
+            <a:ext cx="4093465" cy="365125"/>
+          </a:xfrm>
+        </p:spPr>
+        <p:txBody>
+          <a:bodyPr/>
+          <a:lstStyle/>
+          <a:p>
+            <a:r>
+              <a:rPr lang="de-DE" dirty="0">
+                <a:solidFill>
+                  <a:schemeClr val="tx1"/>
+                </a:solidFill>
+              </a:rPr>
+              <a:t>26.11.2019 | Niklas Gieretz, Niklas Klaes, Timo Schallenberg</a:t>
+            </a:r>
+          </a:p>
+        </p:txBody>
+      </p:sp>
+      <p:sp>
+        <p:nvSpPr>
+          <p:cNvPr id="3" name="Textfeld 2">
+            <a:extLst>
+              <a:ext uri="{FF2B5EF4-FFF2-40B4-BE49-F238E27FC236}">
+                <a16:creationId xmlns:a16="http://schemas.microsoft.com/office/drawing/2014/main" id="{243A11B8-62F6-4B31-99D1-9ED249242AAF}"/>
+              </a:ext>
+            </a:extLst>
+          </p:cNvPr>
+          <p:cNvSpPr txBox="1"/>
+          <p:nvPr/>
+        </p:nvSpPr>
+        <p:spPr>
+          <a:xfrm>
+            <a:off x="413834" y="3956611"/>
+            <a:ext cx="5205088" cy="2585323"/>
+          </a:xfrm>
+          <a:prstGeom prst="rect">
+            <a:avLst/>
+          </a:prstGeom>
+          <a:noFill/>
+          <a:effectLst>
+            <a:outerShdw blurRad="50800" dist="38100" dir="2700000" algn="tl" rotWithShape="0">
+              <a:prstClr val="black">
+                <a:alpha val="40000"/>
+              </a:prstClr>
+            </a:outerShdw>
+          </a:effectLst>
+        </p:spPr>
+        <p:txBody>
+          <a:bodyPr wrap="square" rtlCol="0">
+            <a:spAutoFit/>
+          </a:bodyPr>
+          <a:lstStyle/>
+          <a:p>
+            <a:pPr marL="285750" indent="-285750">
+              <a:buFont typeface="Arial" panose="020B0604020202020204" pitchFamily="34" charset="0"/>
+              <a:buChar char="•"/>
+            </a:pPr>
+            <a:r>
+              <a:rPr lang="de-DE" dirty="0"/>
+              <a:t>Ein Level um seinen Fantasien freien Lauf zu lassen</a:t>
+            </a:r>
+          </a:p>
+          <a:p>
+            <a:pPr marL="285750" indent="-285750">
+              <a:buFont typeface="Arial" panose="020B0604020202020204" pitchFamily="34" charset="0"/>
+              <a:buChar char="•"/>
+            </a:pPr>
+            <a:r>
+              <a:rPr lang="de-DE" dirty="0"/>
+              <a:t>Größe passt sich dynamisch an die Größe des Browsers an</a:t>
+            </a:r>
+          </a:p>
+          <a:p>
+            <a:pPr marL="285750" indent="-285750">
+              <a:buFont typeface="Arial" panose="020B0604020202020204" pitchFamily="34" charset="0"/>
+              <a:buChar char="•"/>
+            </a:pPr>
+            <a:r>
+              <a:rPr lang="de-DE" dirty="0"/>
+              <a:t>Alle Button über Maus und Tastatur nutzbar</a:t>
+            </a:r>
+          </a:p>
+          <a:p>
+            <a:pPr marL="285750" indent="-285750">
+              <a:buFont typeface="Arial" panose="020B0604020202020204" pitchFamily="34" charset="0"/>
+              <a:buChar char="•"/>
+            </a:pPr>
+            <a:r>
+              <a:rPr lang="de-DE" dirty="0"/>
+              <a:t>Geeignet für Links- und Rechtshänder</a:t>
+            </a:r>
+          </a:p>
+          <a:p>
+            <a:pPr marL="285750" indent="-285750">
+              <a:buFont typeface="Arial" panose="020B0604020202020204" pitchFamily="34" charset="0"/>
+              <a:buChar char="•"/>
+            </a:pPr>
+            <a:r>
+              <a:rPr lang="de-DE" dirty="0"/>
+              <a:t>Neben normalen Sprung einen Wandsprung</a:t>
+            </a:r>
+          </a:p>
+          <a:p>
+            <a:pPr marL="285750" indent="-285750">
+              <a:buFont typeface="Arial" panose="020B0604020202020204" pitchFamily="34" charset="0"/>
+              <a:buChar char="•"/>
+            </a:pPr>
+            <a:r>
+              <a:rPr lang="de-DE" dirty="0"/>
+              <a:t>Projekt frei nutzbar</a:t>
+            </a:r>
+          </a:p>
+          <a:p>
+            <a:endParaRPr lang="de-DE" dirty="0"/>
+          </a:p>
+        </p:txBody>
+      </p:sp>
       <p:sp>
         <p:nvSpPr>
           <p:cNvPr id="8" name="Textfeld 7">
@@ -4739,13 +4620,20 @@
         </p:nvSpPr>
         <p:spPr>
           <a:xfrm>
-            <a:off x="535709" y="1079500"/>
-            <a:ext cx="5938384" cy="4247317"/>
+            <a:off x="5773107" y="1110672"/>
+            <a:ext cx="5938384" cy="2585323"/>
           </a:xfrm>
           <a:prstGeom prst="rect">
             <a:avLst/>
           </a:prstGeom>
           <a:noFill/>
+          <a:effectLst>
+            <a:outerShdw blurRad="50800" dist="38100" algn="l" rotWithShape="0">
+              <a:prstClr val="black">
+                <a:alpha val="40000"/>
+              </a:prstClr>
+            </a:outerShdw>
+          </a:effectLst>
         </p:spPr>
         <p:txBody>
           <a:bodyPr wrap="square" rtlCol="0">
@@ -4758,12 +4646,16 @@
               <a:buChar char="•"/>
             </a:pPr>
             <a:r>
+              <a:rPr lang="de-DE" dirty="0"/>
+              <a:t>Animierter &amp; vertonter </a:t>
+            </a:r>
+            <a:r>
               <a:rPr lang="de-DE" dirty="0" err="1"/>
               <a:t>Sidescroller</a:t>
             </a:r>
             <a:r>
               <a:rPr lang="de-DE" dirty="0"/>
-              <a:t> als Browsergame</a:t>
+              <a:t>!</a:t>
             </a:r>
           </a:p>
           <a:p>
@@ -4845,152 +4737,6 @@
               <a:rPr lang="de-DE" dirty="0"/>
               <a:t>Editierbare Level</a:t>
             </a:r>
-          </a:p>
-          <a:p>
-            <a:pPr marL="285750" indent="-285750">
-              <a:buFont typeface="Arial" panose="020B0604020202020204" pitchFamily="34" charset="0"/>
-              <a:buChar char="•"/>
-            </a:pPr>
-            <a:r>
-              <a:rPr lang="de-DE" dirty="0"/>
-              <a:t>Ein Level um seinen Fantasien freien Lauf zu lassen</a:t>
-            </a:r>
-          </a:p>
-          <a:p>
-            <a:pPr marL="285750" indent="-285750">
-              <a:buFont typeface="Arial" panose="020B0604020202020204" pitchFamily="34" charset="0"/>
-              <a:buChar char="•"/>
-            </a:pPr>
-            <a:r>
-              <a:rPr lang="de-DE" dirty="0"/>
-              <a:t>Größe passt sich dynamisch an die Größe des Browsers an</a:t>
-            </a:r>
-          </a:p>
-          <a:p>
-            <a:pPr marL="285750" indent="-285750">
-              <a:buFont typeface="Arial" panose="020B0604020202020204" pitchFamily="34" charset="0"/>
-              <a:buChar char="•"/>
-            </a:pPr>
-            <a:r>
-              <a:rPr lang="de-DE" dirty="0"/>
-              <a:t>Alle Button über Maus und Tastatur nutzbar</a:t>
-            </a:r>
-          </a:p>
-          <a:p>
-            <a:pPr marL="285750" indent="-285750">
-              <a:buFont typeface="Arial" panose="020B0604020202020204" pitchFamily="34" charset="0"/>
-              <a:buChar char="•"/>
-            </a:pPr>
-            <a:r>
-              <a:rPr lang="de-DE" dirty="0"/>
-              <a:t>Geeignet für Links- und Rechtshänder</a:t>
-            </a:r>
-          </a:p>
-          <a:p>
-            <a:pPr marL="285750" indent="-285750">
-              <a:buFont typeface="Arial" panose="020B0604020202020204" pitchFamily="34" charset="0"/>
-              <a:buChar char="•"/>
-            </a:pPr>
-            <a:r>
-              <a:rPr lang="de-DE" dirty="0"/>
-              <a:t>Neben normalen Sprung einen Wandsprung</a:t>
-            </a:r>
-          </a:p>
-          <a:p>
-            <a:pPr marL="285750" indent="-285750">
-              <a:buFont typeface="Arial" panose="020B0604020202020204" pitchFamily="34" charset="0"/>
-              <a:buChar char="•"/>
-            </a:pPr>
-            <a:r>
-              <a:rPr lang="de-DE" dirty="0"/>
-              <a:t>Projekt frei nutzbar</a:t>
-            </a:r>
-          </a:p>
-        </p:txBody>
-      </p:sp>
-      <p:sp>
-        <p:nvSpPr>
-          <p:cNvPr id="9" name="Datumsplatzhalter 8">
-            <a:extLst>
-              <a:ext uri="{FF2B5EF4-FFF2-40B4-BE49-F238E27FC236}">
-                <a16:creationId xmlns:a16="http://schemas.microsoft.com/office/drawing/2014/main" id="{15ADC7A7-6AF2-4FA4-B960-2C3DB1133421}"/>
-              </a:ext>
-            </a:extLst>
-          </p:cNvPr>
-          <p:cNvSpPr>
-            <a:spLocks noGrp="1"/>
-          </p:cNvSpPr>
-          <p:nvPr>
-            <p:ph type="dt" sz="half" idx="10"/>
-          </p:nvPr>
-        </p:nvSpPr>
-        <p:spPr/>
-        <p:txBody>
-          <a:bodyPr/>
-          <a:lstStyle/>
-          <a:p>
-            <a:fld id="{7853546F-DF16-4C41-8D26-50DB1C701001}" type="datetime1">
-              <a:rPr lang="de-DE" smtClean="0"/>
-              <a:t>25.11.2019</a:t>
-            </a:fld>
-            <a:endParaRPr lang="de-DE"/>
-          </a:p>
-        </p:txBody>
-      </p:sp>
-      <p:sp>
-        <p:nvSpPr>
-          <p:cNvPr id="10" name="Fußzeilenplatzhalter 9">
-            <a:extLst>
-              <a:ext uri="{FF2B5EF4-FFF2-40B4-BE49-F238E27FC236}">
-                <a16:creationId xmlns:a16="http://schemas.microsoft.com/office/drawing/2014/main" id="{332FE075-6597-47A4-BFC9-09DFEEA872C0}"/>
-              </a:ext>
-            </a:extLst>
-          </p:cNvPr>
-          <p:cNvSpPr>
-            <a:spLocks noGrp="1"/>
-          </p:cNvSpPr>
-          <p:nvPr>
-            <p:ph type="ftr" sz="quarter" idx="11"/>
-          </p:nvPr>
-        </p:nvSpPr>
-        <p:spPr/>
-        <p:txBody>
-          <a:bodyPr/>
-          <a:lstStyle/>
-          <a:p>
-            <a:r>
-              <a:rPr lang="de-DE"/>
-              <a:t>Von Niklas Gieretz, Niklas Klaes, Timo Schallenberg</a:t>
-            </a:r>
-          </a:p>
-        </p:txBody>
-      </p:sp>
-      <p:sp>
-        <p:nvSpPr>
-          <p:cNvPr id="12" name="Foliennummernplatzhalter 11">
-            <a:extLst>
-              <a:ext uri="{FF2B5EF4-FFF2-40B4-BE49-F238E27FC236}">
-                <a16:creationId xmlns:a16="http://schemas.microsoft.com/office/drawing/2014/main" id="{680BE52D-46D1-40C1-8DB5-445B4A9AA0F7}"/>
-              </a:ext>
-            </a:extLst>
-          </p:cNvPr>
-          <p:cNvSpPr>
-            <a:spLocks noGrp="1"/>
-          </p:cNvSpPr>
-          <p:nvPr>
-            <p:ph type="sldNum" sz="quarter" idx="12"/>
-          </p:nvPr>
-        </p:nvSpPr>
-        <p:spPr/>
-        <p:txBody>
-          <a:bodyPr/>
-          <a:lstStyle/>
-          <a:p>
-            <a:fld id="{2E57C408-BBD9-43C5-B9EB-E8E61EF514B1}" type="slidenum">
-              <a:rPr lang="de-DE" smtClean="0"/>
-              <a:t>1</a:t>
-            </a:fld>
-            <a:endParaRPr lang="de-DE"/>
           </a:p>
         </p:txBody>
       </p:sp>
@@ -5529,4 +5275,234 @@
     </a:ext>
   </a:extLst>
 </a:theme>
+</file>
+
+<file path=customXml/item1.xml><?xml version="1.0" encoding="utf-8"?>
+<ct:contentTypeSchema xmlns:ct="http://schemas.microsoft.com/office/2006/metadata/contentType" xmlns:ma="http://schemas.microsoft.com/office/2006/metadata/properties/metaAttributes" ct:_="" ma:_="" ma:contentTypeName="Dokument" ma:contentTypeID="0x010100D521744CEE3F1643A39891B04AF9A91C" ma:contentTypeVersion="5" ma:contentTypeDescription="Ein neues Dokument erstellen." ma:contentTypeScope="" ma:versionID="6b4ad99280cb9791b0197e1e7c9cc586">
+  <xsd:schema xmlns:xsd="http://www.w3.org/2001/XMLSchema" xmlns:xs="http://www.w3.org/2001/XMLSchema" xmlns:p="http://schemas.microsoft.com/office/2006/metadata/properties" xmlns:ns3="4ff7d0c2-4575-4deb-939c-847f3e017ea0" xmlns:ns4="88c556c8-25f1-4976-8c4d-9e7e03dea1aa" targetNamespace="http://schemas.microsoft.com/office/2006/metadata/properties" ma:root="true" ma:fieldsID="dfe785df7ae38a161d659414503fb113" ns3:_="" ns4:_="">
+    <xsd:import namespace="4ff7d0c2-4575-4deb-939c-847f3e017ea0"/>
+    <xsd:import namespace="88c556c8-25f1-4976-8c4d-9e7e03dea1aa"/>
+    <xsd:element name="properties">
+      <xsd:complexType>
+        <xsd:sequence>
+          <xsd:element name="documentManagement">
+            <xsd:complexType>
+              <xsd:all>
+                <xsd:element ref="ns3:MediaServiceMetadata" minOccurs="0"/>
+                <xsd:element ref="ns3:MediaServiceFastMetadata" minOccurs="0"/>
+                <xsd:element ref="ns4:SharedWithUsers" minOccurs="0"/>
+                <xsd:element ref="ns4:SharedWithDetails" minOccurs="0"/>
+                <xsd:element ref="ns4:SharingHintHash" minOccurs="0"/>
+              </xsd:all>
+            </xsd:complexType>
+          </xsd:element>
+        </xsd:sequence>
+      </xsd:complexType>
+    </xsd:element>
+  </xsd:schema>
+  <xsd:schema xmlns:xsd="http://www.w3.org/2001/XMLSchema" xmlns:xs="http://www.w3.org/2001/XMLSchema" xmlns:dms="http://schemas.microsoft.com/office/2006/documentManagement/types" xmlns:pc="http://schemas.microsoft.com/office/infopath/2007/PartnerControls" targetNamespace="4ff7d0c2-4575-4deb-939c-847f3e017ea0" elementFormDefault="qualified">
+    <xsd:import namespace="http://schemas.microsoft.com/office/2006/documentManagement/types"/>
+    <xsd:import namespace="http://schemas.microsoft.com/office/infopath/2007/PartnerControls"/>
+    <xsd:element name="MediaServiceMetadata" ma:index="8" nillable="true" ma:displayName="MediaServiceMetadata" ma:hidden="true" ma:internalName="MediaServiceMetadata" ma:readOnly="true">
+      <xsd:simpleType>
+        <xsd:restriction base="dms:Note"/>
+      </xsd:simpleType>
+    </xsd:element>
+    <xsd:element name="MediaServiceFastMetadata" ma:index="9" nillable="true" ma:displayName="MediaServiceFastMetadata" ma:hidden="true" ma:internalName="MediaServiceFastMetadata" ma:readOnly="true">
+      <xsd:simpleType>
+        <xsd:restriction base="dms:Note"/>
+      </xsd:simpleType>
+    </xsd:element>
+  </xsd:schema>
+  <xsd:schema xmlns:xsd="http://www.w3.org/2001/XMLSchema" xmlns:xs="http://www.w3.org/2001/XMLSchema" xmlns:dms="http://schemas.microsoft.com/office/2006/documentManagement/types" xmlns:pc="http://schemas.microsoft.com/office/infopath/2007/PartnerControls" targetNamespace="88c556c8-25f1-4976-8c4d-9e7e03dea1aa" elementFormDefault="qualified">
+    <xsd:import namespace="http://schemas.microsoft.com/office/2006/documentManagement/types"/>
+    <xsd:import namespace="http://schemas.microsoft.com/office/infopath/2007/PartnerControls"/>
+    <xsd:element name="SharedWithUsers" ma:index="10" nillable="true" ma:displayName="Freigegeben für" ma:internalName="SharedWithUsers" ma:readOnly="true">
+      <xsd:complexType>
+        <xsd:complexContent>
+          <xsd:extension base="dms:UserMulti">
+            <xsd:sequence>
+              <xsd:element name="UserInfo" minOccurs="0" maxOccurs="unbounded">
+                <xsd:complexType>
+                  <xsd:sequence>
+                    <xsd:element name="DisplayName" type="xsd:string" minOccurs="0"/>
+                    <xsd:element name="AccountId" type="dms:UserId" minOccurs="0" nillable="true"/>
+                    <xsd:element name="AccountType" type="xsd:string" minOccurs="0"/>
+                  </xsd:sequence>
+                </xsd:complexType>
+              </xsd:element>
+            </xsd:sequence>
+          </xsd:extension>
+        </xsd:complexContent>
+      </xsd:complexType>
+    </xsd:element>
+    <xsd:element name="SharedWithDetails" ma:index="11" nillable="true" ma:displayName="Freigegeben für - Details" ma:internalName="SharedWithDetails" ma:readOnly="true">
+      <xsd:simpleType>
+        <xsd:restriction base="dms:Note">
+          <xsd:maxLength value="255"/>
+        </xsd:restriction>
+      </xsd:simpleType>
+    </xsd:element>
+    <xsd:element name="SharingHintHash" ma:index="12" nillable="true" ma:displayName="Freigabehinweishash" ma:hidden="true" ma:internalName="SharingHintHash" ma:readOnly="true">
+      <xsd:simpleType>
+        <xsd:restriction base="dms:Text"/>
+      </xsd:simpleType>
+    </xsd:element>
+  </xsd:schema>
+  <xsd:schema xmlns="http://schemas.openxmlformats.org/package/2006/metadata/core-properties" xmlns:xsd="http://www.w3.org/2001/XMLSchema" xmlns:xsi="http://www.w3.org/2001/XMLSchema-instance" xmlns:dc="http://purl.org/dc/elements/1.1/" xmlns:dcterms="http://purl.org/dc/terms/" xmlns:odoc="http://schemas.microsoft.com/internal/obd" targetNamespace="http://schemas.openxmlformats.org/package/2006/metadata/core-properties" elementFormDefault="qualified" attributeFormDefault="unqualified" blockDefault="#all">
+    <xsd:import namespace="http://purl.org/dc/elements/1.1/" schemaLocation="http://dublincore.org/schemas/xmls/qdc/2003/04/02/dc.xsd"/>
+    <xsd:import namespace="http://purl.org/dc/terms/" schemaLocation="http://dublincore.org/schemas/xmls/qdc/2003/04/02/dcterms.xsd"/>
+    <xsd:element name="coreProperties" type="CT_coreProperties"/>
+    <xsd:complexType name="CT_coreProperties">
+      <xsd:all>
+        <xsd:element ref="dc:creator" minOccurs="0" maxOccurs="1"/>
+        <xsd:element ref="dcterms:created" minOccurs="0" maxOccurs="1"/>
+        <xsd:element ref="dc:identifier" minOccurs="0" maxOccurs="1"/>
+        <xsd:element name="contentType" minOccurs="0" maxOccurs="1" type="xsd:string" ma:index="0" ma:displayName="Inhaltstyp"/>
+        <xsd:element ref="dc:title" minOccurs="0" maxOccurs="1" ma:index="4" ma:displayName="Titel"/>
+        <xsd:element ref="dc:subject" minOccurs="0" maxOccurs="1"/>
+        <xsd:element ref="dc:description" minOccurs="0" maxOccurs="1"/>
+        <xsd:element name="keywords" minOccurs="0" maxOccurs="1" type="xsd:string"/>
+        <xsd:element ref="dc:language" minOccurs="0" maxOccurs="1"/>
+        <xsd:element name="category" minOccurs="0" maxOccurs="1" type="xsd:string"/>
+        <xsd:element name="version" minOccurs="0" maxOccurs="1" type="xsd:string"/>
+        <xsd:element name="revision" minOccurs="0" maxOccurs="1" type="xsd:string">
+          <xsd:annotation>
+            <xsd:documentation>
+                        This value indicates the number of saves or revisions. The application is responsible for updating this value after each revision.
+                    </xsd:documentation>
+          </xsd:annotation>
+        </xsd:element>
+        <xsd:element name="lastModifiedBy" minOccurs="0" maxOccurs="1" type="xsd:string"/>
+        <xsd:element ref="dcterms:modified" minOccurs="0" maxOccurs="1"/>
+        <xsd:element name="contentStatus" minOccurs="0" maxOccurs="1" type="xsd:string"/>
+      </xsd:all>
+    </xsd:complexType>
+  </xsd:schema>
+  <xs:schema xmlns:pc="http://schemas.microsoft.com/office/infopath/2007/PartnerControls" xmlns:xs="http://www.w3.org/2001/XMLSchema" targetNamespace="http://schemas.microsoft.com/office/infopath/2007/PartnerControls" elementFormDefault="qualified" attributeFormDefault="unqualified">
+    <xs:element name="Person">
+      <xs:complexType>
+        <xs:sequence>
+          <xs:element ref="pc:DisplayName" minOccurs="0"/>
+          <xs:element ref="pc:AccountId" minOccurs="0"/>
+          <xs:element ref="pc:AccountType" minOccurs="0"/>
+        </xs:sequence>
+      </xs:complexType>
+    </xs:element>
+    <xs:element name="DisplayName" type="xs:string"/>
+    <xs:element name="AccountId" type="xs:string"/>
+    <xs:element name="AccountType" type="xs:string"/>
+    <xs:element name="BDCAssociatedEntity">
+      <xs:complexType>
+        <xs:sequence>
+          <xs:element ref="pc:BDCEntity" minOccurs="0" maxOccurs="unbounded"/>
+        </xs:sequence>
+        <xs:attribute ref="pc:EntityNamespace"/>
+        <xs:attribute ref="pc:EntityName"/>
+        <xs:attribute ref="pc:SystemInstanceName"/>
+        <xs:attribute ref="pc:AssociationName"/>
+      </xs:complexType>
+    </xs:element>
+    <xs:attribute name="EntityNamespace" type="xs:string"/>
+    <xs:attribute name="EntityName" type="xs:string"/>
+    <xs:attribute name="SystemInstanceName" type="xs:string"/>
+    <xs:attribute name="AssociationName" type="xs:string"/>
+    <xs:element name="BDCEntity">
+      <xs:complexType>
+        <xs:sequence>
+          <xs:element ref="pc:EntityDisplayName" minOccurs="0"/>
+          <xs:element ref="pc:EntityInstanceReference" minOccurs="0"/>
+          <xs:element ref="pc:EntityId1" minOccurs="0"/>
+          <xs:element ref="pc:EntityId2" minOccurs="0"/>
+          <xs:element ref="pc:EntityId3" minOccurs="0"/>
+          <xs:element ref="pc:EntityId4" minOccurs="0"/>
+          <xs:element ref="pc:EntityId5" minOccurs="0"/>
+        </xs:sequence>
+      </xs:complexType>
+    </xs:element>
+    <xs:element name="EntityDisplayName" type="xs:string"/>
+    <xs:element name="EntityInstanceReference" type="xs:string"/>
+    <xs:element name="EntityId1" type="xs:string"/>
+    <xs:element name="EntityId2" type="xs:string"/>
+    <xs:element name="EntityId3" type="xs:string"/>
+    <xs:element name="EntityId4" type="xs:string"/>
+    <xs:element name="EntityId5" type="xs:string"/>
+    <xs:element name="Terms">
+      <xs:complexType>
+        <xs:sequence>
+          <xs:element ref="pc:TermInfo" minOccurs="0" maxOccurs="unbounded"/>
+        </xs:sequence>
+      </xs:complexType>
+    </xs:element>
+    <xs:element name="TermInfo">
+      <xs:complexType>
+        <xs:sequence>
+          <xs:element ref="pc:TermName" minOccurs="0"/>
+          <xs:element ref="pc:TermId" minOccurs="0"/>
+        </xs:sequence>
+      </xs:complexType>
+    </xs:element>
+    <xs:element name="TermName" type="xs:string"/>
+    <xs:element name="TermId" type="xs:string"/>
+  </xs:schema>
+</ct:contentTypeSchema>
+</file>
+
+<file path=customXml/item2.xml><?xml version="1.0" encoding="utf-8"?>
+<?mso-contentType ?>
+<FormTemplates xmlns="http://schemas.microsoft.com/sharepoint/v3/contenttype/forms">
+  <Display>DocumentLibraryForm</Display>
+  <Edit>DocumentLibraryForm</Edit>
+  <New>DocumentLibraryForm</New>
+</FormTemplates>
+</file>
+
+<file path=customXml/item3.xml><?xml version="1.0" encoding="utf-8"?>
+<p:properties xmlns:p="http://schemas.microsoft.com/office/2006/metadata/properties" xmlns:xsi="http://www.w3.org/2001/XMLSchema-instance" xmlns:pc="http://schemas.microsoft.com/office/infopath/2007/PartnerControls">
+  <documentManagement/>
+</p:properties>
+</file>
+
+<file path=customXml/itemProps1.xml><?xml version="1.0" encoding="utf-8"?>
+<ds:datastoreItem xmlns:ds="http://schemas.openxmlformats.org/officeDocument/2006/customXml" ds:itemID="{8FAB089C-3497-4DFA-B85C-388D52C6E1DD}">
+  <ds:schemaRefs>
+    <ds:schemaRef ds:uri="http://schemas.microsoft.com/office/2006/metadata/contentType"/>
+    <ds:schemaRef ds:uri="http://schemas.microsoft.com/office/2006/metadata/properties/metaAttributes"/>
+    <ds:schemaRef ds:uri="http://www.w3.org/2001/XMLSchema"/>
+    <ds:schemaRef ds:uri="http://schemas.microsoft.com/office/2006/metadata/properties"/>
+    <ds:schemaRef ds:uri="4ff7d0c2-4575-4deb-939c-847f3e017ea0"/>
+    <ds:schemaRef ds:uri="88c556c8-25f1-4976-8c4d-9e7e03dea1aa"/>
+    <ds:schemaRef ds:uri="http://schemas.microsoft.com/office/2006/documentManagement/types"/>
+    <ds:schemaRef ds:uri="http://schemas.microsoft.com/office/infopath/2007/PartnerControls"/>
+    <ds:schemaRef ds:uri="http://schemas.openxmlformats.org/package/2006/metadata/core-properties"/>
+    <ds:schemaRef ds:uri="http://purl.org/dc/elements/1.1/"/>
+    <ds:schemaRef ds:uri="http://purl.org/dc/terms/"/>
+    <ds:schemaRef ds:uri="http://schemas.microsoft.com/internal/obd"/>
+  </ds:schemaRefs>
+</ds:datastoreItem>
+</file>
+
+<file path=customXml/itemProps2.xml><?xml version="1.0" encoding="utf-8"?>
+<ds:datastoreItem xmlns:ds="http://schemas.openxmlformats.org/officeDocument/2006/customXml" ds:itemID="{55075526-9C23-4906-A2DC-D2E8D3D56CA2}">
+  <ds:schemaRefs>
+    <ds:schemaRef ds:uri="http://schemas.microsoft.com/sharepoint/v3/contenttype/forms"/>
+  </ds:schemaRefs>
+</ds:datastoreItem>
+</file>
+
+<file path=customXml/itemProps3.xml><?xml version="1.0" encoding="utf-8"?>
+<ds:datastoreItem xmlns:ds="http://schemas.openxmlformats.org/officeDocument/2006/customXml" ds:itemID="{8491CE60-1938-4CA4-B6BB-2C2D2A591E66}">
+  <ds:schemaRefs>
+    <ds:schemaRef ds:uri="http://purl.org/dc/terms/"/>
+    <ds:schemaRef ds:uri="4ff7d0c2-4575-4deb-939c-847f3e017ea0"/>
+    <ds:schemaRef ds:uri="http://purl.org/dc/elements/1.1/"/>
+    <ds:schemaRef ds:uri="88c556c8-25f1-4976-8c4d-9e7e03dea1aa"/>
+    <ds:schemaRef ds:uri="http://schemas.microsoft.com/office/2006/documentManagement/types"/>
+    <ds:schemaRef ds:uri="http://schemas.openxmlformats.org/package/2006/metadata/core-properties"/>
+    <ds:schemaRef ds:uri="http://schemas.microsoft.com/office/infopath/2007/PartnerControls"/>
+    <ds:schemaRef ds:uri="http://schemas.microsoft.com/office/2006/metadata/properties"/>
+    <ds:schemaRef ds:uri="http://www.w3.org/XML/1998/namespace"/>
+    <ds:schemaRef ds:uri="http://purl.org/dc/dcmitype/"/>
+  </ds:schemaRefs>
+</ds:datastoreItem>
 </file>